--- a/Final Presentation.pptx
+++ b/Final Presentation.pptx
@@ -284,6 +284,11 @@
       </a:defRPr>
     </a:lvl9pPr>
   </p:defaultTextStyle>
+  <p:extLst>
+    <p:ext uri="{EFAFB233-063F-42B5-8137-9DF3F51BA10A}">
+      <p15:sldGuideLst xmlns:p15="http://schemas.microsoft.com/office/powerpoint/2012/main"/>
+    </p:ext>
+  </p:extLst>
 </p:presentation>
 </file>
 
@@ -2992,13 +2997,13 @@
   <p:clrMapOvr>
     <a:masterClrMapping/>
   </p:clrMapOvr>
-  <mc:AlternateContent xmlns:mc="http://schemas.openxmlformats.org/markup-compatibility/2006">
-    <mc:Choice xmlns:p159="http://schemas.microsoft.com/office/powerpoint/2015/09/main" Requires="p159">
+  <mc:AlternateContent xmlns:mc="http://schemas.openxmlformats.org/markup-compatibility/2006" xmlns:p159="http://schemas.microsoft.com/office/powerpoint/2015/09/main">
+    <mc:Choice Requires="p159">
       <p:transition xmlns:p14="http://schemas.microsoft.com/office/powerpoint/2010/main" spd="slow" p14:dur="2000">
         <p159:morph option="byObject"/>
       </p:transition>
     </mc:Choice>
-    <mc:Fallback>
+    <mc:Fallback xmlns="">
       <p:transition spd="slow">
         <p:fade/>
       </p:transition>
@@ -3186,13 +3191,13 @@
   <p:clrMapOvr>
     <a:masterClrMapping/>
   </p:clrMapOvr>
-  <mc:AlternateContent xmlns:mc="http://schemas.openxmlformats.org/markup-compatibility/2006">
-    <mc:Choice xmlns:p159="http://schemas.microsoft.com/office/powerpoint/2015/09/main" Requires="p159">
+  <mc:AlternateContent xmlns:mc="http://schemas.openxmlformats.org/markup-compatibility/2006" xmlns:p159="http://schemas.microsoft.com/office/powerpoint/2015/09/main">
+    <mc:Choice Requires="p159">
       <p:transition xmlns:p14="http://schemas.microsoft.com/office/powerpoint/2010/main" spd="slow" p14:dur="2000">
         <p159:morph option="byObject"/>
       </p:transition>
     </mc:Choice>
-    <mc:Fallback>
+    <mc:Fallback xmlns="">
       <p:transition spd="slow">
         <p:fade/>
       </p:transition>
@@ -3421,13 +3426,13 @@
   <p:clrMapOvr>
     <a:masterClrMapping/>
   </p:clrMapOvr>
-  <mc:AlternateContent xmlns:mc="http://schemas.openxmlformats.org/markup-compatibility/2006">
-    <mc:Choice xmlns:p159="http://schemas.microsoft.com/office/powerpoint/2015/09/main" Requires="p159">
+  <mc:AlternateContent xmlns:mc="http://schemas.openxmlformats.org/markup-compatibility/2006" xmlns:p159="http://schemas.microsoft.com/office/powerpoint/2015/09/main">
+    <mc:Choice Requires="p159">
       <p:transition xmlns:p14="http://schemas.microsoft.com/office/powerpoint/2010/main" spd="slow" p14:dur="2000">
         <p159:morph option="byObject"/>
       </p:transition>
     </mc:Choice>
-    <mc:Fallback>
+    <mc:Fallback xmlns="">
       <p:transition spd="slow">
         <p:fade/>
       </p:transition>
@@ -4722,13 +4727,13 @@
   <p:clrMapOvr>
     <a:masterClrMapping/>
   </p:clrMapOvr>
-  <mc:AlternateContent xmlns:mc="http://schemas.openxmlformats.org/markup-compatibility/2006">
-    <mc:Choice xmlns:p159="http://schemas.microsoft.com/office/powerpoint/2015/09/main" Requires="p159">
+  <mc:AlternateContent xmlns:mc="http://schemas.openxmlformats.org/markup-compatibility/2006" xmlns:p159="http://schemas.microsoft.com/office/powerpoint/2015/09/main">
+    <mc:Choice Requires="p159">
       <p:transition xmlns:p14="http://schemas.microsoft.com/office/powerpoint/2010/main" spd="slow" p14:dur="2000">
         <p159:morph option="byObject"/>
       </p:transition>
     </mc:Choice>
-    <mc:Fallback>
+    <mc:Fallback xmlns="">
       <p:transition spd="slow">
         <p:fade/>
       </p:transition>
@@ -6391,13 +6396,13 @@
   <p:clrMapOvr>
     <a:masterClrMapping/>
   </p:clrMapOvr>
-  <mc:AlternateContent xmlns:mc="http://schemas.openxmlformats.org/markup-compatibility/2006">
-    <mc:Choice xmlns:p159="http://schemas.microsoft.com/office/powerpoint/2015/09/main" Requires="p159">
+  <mc:AlternateContent xmlns:mc="http://schemas.openxmlformats.org/markup-compatibility/2006" xmlns:p159="http://schemas.microsoft.com/office/powerpoint/2015/09/main">
+    <mc:Choice Requires="p159">
       <p:transition xmlns:p14="http://schemas.microsoft.com/office/powerpoint/2010/main" spd="slow" p14:dur="2000">
         <p159:morph option="byObject"/>
       </p:transition>
     </mc:Choice>
-    <mc:Fallback>
+    <mc:Fallback xmlns="">
       <p:transition spd="slow">
         <p:fade/>
       </p:transition>
@@ -8928,13 +8933,13 @@
   <p:clrMapOvr>
     <a:masterClrMapping/>
   </p:clrMapOvr>
-  <mc:AlternateContent xmlns:mc="http://schemas.openxmlformats.org/markup-compatibility/2006">
-    <mc:Choice xmlns:p159="http://schemas.microsoft.com/office/powerpoint/2015/09/main" Requires="p159">
+  <mc:AlternateContent xmlns:mc="http://schemas.openxmlformats.org/markup-compatibility/2006" xmlns:p159="http://schemas.microsoft.com/office/powerpoint/2015/09/main">
+    <mc:Choice Requires="p159">
       <p:transition xmlns:p14="http://schemas.microsoft.com/office/powerpoint/2010/main" spd="slow" p14:dur="2000">
         <p159:morph option="byObject"/>
       </p:transition>
     </mc:Choice>
-    <mc:Fallback>
+    <mc:Fallback xmlns="">
       <p:transition spd="slow">
         <p:fade/>
       </p:transition>
@@ -10315,13 +10320,13 @@
   <p:clrMapOvr>
     <a:masterClrMapping/>
   </p:clrMapOvr>
-  <mc:AlternateContent xmlns:mc="http://schemas.openxmlformats.org/markup-compatibility/2006">
-    <mc:Choice xmlns:p159="http://schemas.microsoft.com/office/powerpoint/2015/09/main" Requires="p159">
+  <mc:AlternateContent xmlns:mc="http://schemas.openxmlformats.org/markup-compatibility/2006" xmlns:p159="http://schemas.microsoft.com/office/powerpoint/2015/09/main">
+    <mc:Choice Requires="p159">
       <p:transition xmlns:p14="http://schemas.microsoft.com/office/powerpoint/2010/main" spd="slow" p14:dur="2000">
         <p159:morph option="byObject"/>
       </p:transition>
     </mc:Choice>
-    <mc:Fallback>
+    <mc:Fallback xmlns="">
       <p:transition spd="slow">
         <p:fade/>
       </p:transition>
@@ -10421,13 +10426,13 @@
   <p:clrMapOvr>
     <a:masterClrMapping/>
   </p:clrMapOvr>
-  <mc:AlternateContent xmlns:mc="http://schemas.openxmlformats.org/markup-compatibility/2006">
-    <mc:Choice xmlns:p159="http://schemas.microsoft.com/office/powerpoint/2015/09/main" Requires="p159">
+  <mc:AlternateContent xmlns:mc="http://schemas.openxmlformats.org/markup-compatibility/2006" xmlns:p159="http://schemas.microsoft.com/office/powerpoint/2015/09/main">
+    <mc:Choice Requires="p159">
       <p:transition xmlns:p14="http://schemas.microsoft.com/office/powerpoint/2010/main" spd="slow" p14:dur="2000">
         <p159:morph option="byObject"/>
       </p:transition>
     </mc:Choice>
-    <mc:Fallback>
+    <mc:Fallback xmlns="">
       <p:transition spd="slow">
         <p:fade/>
       </p:transition>
@@ -10528,13 +10533,13 @@
   <p:clrMapOvr>
     <a:masterClrMapping/>
   </p:clrMapOvr>
-  <mc:AlternateContent xmlns:mc="http://schemas.openxmlformats.org/markup-compatibility/2006">
-    <mc:Choice xmlns:p159="http://schemas.microsoft.com/office/powerpoint/2015/09/main" Requires="p159">
+  <mc:AlternateContent xmlns:mc="http://schemas.openxmlformats.org/markup-compatibility/2006" xmlns:p159="http://schemas.microsoft.com/office/powerpoint/2015/09/main">
+    <mc:Choice Requires="p159">
       <p:transition xmlns:p14="http://schemas.microsoft.com/office/powerpoint/2010/main" spd="slow" p14:dur="2000">
         <p159:morph option="byObject"/>
       </p:transition>
     </mc:Choice>
-    <mc:Fallback>
+    <mc:Fallback xmlns="">
       <p:transition spd="slow">
         <p:fade/>
       </p:transition>
@@ -11022,13 +11027,13 @@
   <p:clrMapOvr>
     <a:masterClrMapping/>
   </p:clrMapOvr>
-  <mc:AlternateContent xmlns:mc="http://schemas.openxmlformats.org/markup-compatibility/2006">
-    <mc:Choice xmlns:p159="http://schemas.microsoft.com/office/powerpoint/2015/09/main" Requires="p159">
+  <mc:AlternateContent xmlns:mc="http://schemas.openxmlformats.org/markup-compatibility/2006" xmlns:p159="http://schemas.microsoft.com/office/powerpoint/2015/09/main">
+    <mc:Choice Requires="p159">
       <p:transition xmlns:p14="http://schemas.microsoft.com/office/powerpoint/2010/main" spd="slow" p14:dur="2000">
         <p159:morph option="byObject"/>
       </p:transition>
     </mc:Choice>
-    <mc:Fallback>
+    <mc:Fallback xmlns="">
       <p:transition spd="slow">
         <p:fade/>
       </p:transition>
@@ -12024,13 +12029,13 @@
   <p:clrMapOvr>
     <a:masterClrMapping/>
   </p:clrMapOvr>
-  <mc:AlternateContent xmlns:mc="http://schemas.openxmlformats.org/markup-compatibility/2006">
-    <mc:Choice xmlns:p159="http://schemas.microsoft.com/office/powerpoint/2015/09/main" Requires="p159">
+  <mc:AlternateContent xmlns:mc="http://schemas.openxmlformats.org/markup-compatibility/2006" xmlns:p159="http://schemas.microsoft.com/office/powerpoint/2015/09/main">
+    <mc:Choice Requires="p159">
       <p:transition xmlns:p14="http://schemas.microsoft.com/office/powerpoint/2010/main" spd="slow" p14:dur="2000">
         <p159:morph option="byObject"/>
       </p:transition>
     </mc:Choice>
-    <mc:Fallback>
+    <mc:Fallback xmlns="">
       <p:transition spd="slow">
         <p:fade/>
       </p:transition>
@@ -12259,13 +12264,13 @@
   <p:clrMapOvr>
     <a:masterClrMapping/>
   </p:clrMapOvr>
-  <mc:AlternateContent xmlns:mc="http://schemas.openxmlformats.org/markup-compatibility/2006">
-    <mc:Choice xmlns:p159="http://schemas.microsoft.com/office/powerpoint/2015/09/main" Requires="p159">
+  <mc:AlternateContent xmlns:mc="http://schemas.openxmlformats.org/markup-compatibility/2006" xmlns:p159="http://schemas.microsoft.com/office/powerpoint/2015/09/main">
+    <mc:Choice Requires="p159">
       <p:transition xmlns:p14="http://schemas.microsoft.com/office/powerpoint/2010/main" spd="slow" p14:dur="2000">
         <p159:morph option="byObject"/>
       </p:transition>
     </mc:Choice>
-    <mc:Fallback>
+    <mc:Fallback xmlns="">
       <p:transition spd="slow">
         <p:fade/>
       </p:transition>
@@ -12568,13 +12573,13 @@
   <p:clrMapOvr>
     <a:masterClrMapping/>
   </p:clrMapOvr>
-  <mc:AlternateContent xmlns:mc="http://schemas.openxmlformats.org/markup-compatibility/2006">
-    <mc:Choice xmlns:p159="http://schemas.microsoft.com/office/powerpoint/2015/09/main" Requires="p159">
+  <mc:AlternateContent xmlns:mc="http://schemas.openxmlformats.org/markup-compatibility/2006" xmlns:p159="http://schemas.microsoft.com/office/powerpoint/2015/09/main">
+    <mc:Choice Requires="p159">
       <p:transition xmlns:p14="http://schemas.microsoft.com/office/powerpoint/2010/main" spd="slow" p14:dur="2000">
         <p159:morph option="byObject"/>
       </p:transition>
     </mc:Choice>
-    <mc:Fallback>
+    <mc:Fallback xmlns="">
       <p:transition spd="slow">
         <p:fade/>
       </p:transition>
@@ -12959,13 +12964,13 @@
   <p:clrMapOvr>
     <a:masterClrMapping/>
   </p:clrMapOvr>
-  <mc:AlternateContent xmlns:mc="http://schemas.openxmlformats.org/markup-compatibility/2006">
-    <mc:Choice xmlns:p159="http://schemas.microsoft.com/office/powerpoint/2015/09/main" Requires="p159">
+  <mc:AlternateContent xmlns:mc="http://schemas.openxmlformats.org/markup-compatibility/2006" xmlns:p159="http://schemas.microsoft.com/office/powerpoint/2015/09/main">
+    <mc:Choice Requires="p159">
       <p:transition xmlns:p14="http://schemas.microsoft.com/office/powerpoint/2010/main" spd="slow" p14:dur="2000">
         <p159:morph option="byObject"/>
       </p:transition>
     </mc:Choice>
-    <mc:Fallback>
+    <mc:Fallback xmlns="">
       <p:transition spd="slow">
         <p:fade/>
       </p:transition>
@@ -13152,13 +13157,13 @@
   <p:clrMapOvr>
     <a:masterClrMapping/>
   </p:clrMapOvr>
-  <mc:AlternateContent xmlns:mc="http://schemas.openxmlformats.org/markup-compatibility/2006">
-    <mc:Choice xmlns:p159="http://schemas.microsoft.com/office/powerpoint/2015/09/main" Requires="p159">
+  <mc:AlternateContent xmlns:mc="http://schemas.openxmlformats.org/markup-compatibility/2006" xmlns:p159="http://schemas.microsoft.com/office/powerpoint/2015/09/main">
+    <mc:Choice Requires="p159">
       <p:transition xmlns:p14="http://schemas.microsoft.com/office/powerpoint/2010/main" spd="slow" p14:dur="2000">
         <p159:morph option="byObject"/>
       </p:transition>
     </mc:Choice>
-    <mc:Fallback>
+    <mc:Fallback xmlns="">
       <p:transition spd="slow">
         <p:fade/>
       </p:transition>
@@ -13197,13 +13202,13 @@
   <p:clrMapOvr>
     <a:masterClrMapping/>
   </p:clrMapOvr>
-  <mc:AlternateContent xmlns:mc="http://schemas.openxmlformats.org/markup-compatibility/2006">
-    <mc:Choice xmlns:p159="http://schemas.microsoft.com/office/powerpoint/2015/09/main" Requires="p159">
+  <mc:AlternateContent xmlns:mc="http://schemas.openxmlformats.org/markup-compatibility/2006" xmlns:p159="http://schemas.microsoft.com/office/powerpoint/2015/09/main">
+    <mc:Choice Requires="p159">
       <p:transition xmlns:p14="http://schemas.microsoft.com/office/powerpoint/2010/main" spd="slow" p14:dur="2000">
         <p159:morph option="byObject"/>
       </p:transition>
     </mc:Choice>
-    <mc:Fallback>
+    <mc:Fallback xmlns="">
       <p:transition spd="slow">
         <p:fade/>
       </p:transition>
@@ -15457,13 +15462,13 @@
   <p:clrMapOvr>
     <a:masterClrMapping/>
   </p:clrMapOvr>
-  <mc:AlternateContent xmlns:mc="http://schemas.openxmlformats.org/markup-compatibility/2006">
-    <mc:Choice xmlns:p159="http://schemas.microsoft.com/office/powerpoint/2015/09/main" Requires="p159">
+  <mc:AlternateContent xmlns:mc="http://schemas.openxmlformats.org/markup-compatibility/2006" xmlns:p159="http://schemas.microsoft.com/office/powerpoint/2015/09/main">
+    <mc:Choice Requires="p159">
       <p:transition xmlns:p14="http://schemas.microsoft.com/office/powerpoint/2010/main" spd="slow" p14:dur="2000">
         <p159:morph option="byObject"/>
       </p:transition>
     </mc:Choice>
-    <mc:Fallback>
+    <mc:Fallback xmlns="">
       <p:transition spd="slow">
         <p:fade/>
       </p:transition>
@@ -16028,13 +16033,13 @@
     <p:sldLayoutId id="2147483669" r:id="rId16"/>
     <p:sldLayoutId id="2147483670" r:id="rId17"/>
   </p:sldLayoutIdLst>
-  <mc:AlternateContent xmlns:mc="http://schemas.openxmlformats.org/markup-compatibility/2006">
-    <mc:Choice xmlns:p159="http://schemas.microsoft.com/office/powerpoint/2015/09/main" Requires="p159">
+  <mc:AlternateContent xmlns:mc="http://schemas.openxmlformats.org/markup-compatibility/2006" xmlns:p159="http://schemas.microsoft.com/office/powerpoint/2015/09/main">
+    <mc:Choice Requires="p159">
       <p:transition xmlns:p14="http://schemas.microsoft.com/office/powerpoint/2010/main" spd="slow" p14:dur="2000">
         <p159:morph option="byObject"/>
       </p:transition>
     </mc:Choice>
-    <mc:Fallback>
+    <mc:Fallback xmlns="">
       <p:transition spd="slow">
         <p:fade/>
       </p:transition>
@@ -16762,7 +16767,7 @@
         </p:nvSpPr>
         <p:spPr>
           <a:xfrm>
-            <a:off x="713225" y="1425672"/>
+            <a:off x="713225" y="1129820"/>
             <a:ext cx="5337600" cy="2063100"/>
           </a:xfrm>
           <a:prstGeom prst="rect">
@@ -16785,10 +16790,10 @@
               <a:buNone/>
             </a:pPr>
             <a:r>
-              <a:rPr lang="en-US" sz="3600" dirty="0"/>
+              <a:rPr lang="en-US" sz="3200" dirty="0"/>
               <a:t>Personalized Online Tutoring Scheduler: Revolutionizing Education</a:t>
             </a:r>
-            <a:endParaRPr lang="en-CA" sz="3600" dirty="0"/>
+            <a:endParaRPr lang="en-CA" sz="3200" dirty="0"/>
           </a:p>
         </p:txBody>
       </p:sp>
@@ -16804,7 +16809,7 @@
         </p:nvSpPr>
         <p:spPr>
           <a:xfrm>
-            <a:off x="713225" y="3657250"/>
+            <a:off x="713225" y="3045850"/>
             <a:ext cx="5337600" cy="431400"/>
           </a:xfrm>
           <a:prstGeom prst="rect">
@@ -16827,7 +16832,7 @@
               <a:buNone/>
             </a:pPr>
             <a:r>
-              <a:rPr lang="en-CA" b="1" i="0" u="sng" dirty="0">
+              <a:rPr lang="en-CA" sz="1400" b="1" i="0" u="sng" dirty="0">
                 <a:effectLst/>
                 <a:highlight>
                   <a:srgbClr val="FFFFFF"/>
@@ -16837,7 +16842,7 @@
               <a:t>Group 21</a:t>
             </a:r>
             <a:r>
-              <a:rPr lang="en-CA" b="1" i="0" dirty="0">
+              <a:rPr lang="en-CA" sz="1400" b="1" i="0" dirty="0">
                 <a:effectLst/>
                 <a:highlight>
                   <a:srgbClr val="FFFFFF"/>
@@ -16858,7 +16863,7 @@
               <a:buNone/>
             </a:pPr>
             <a:r>
-              <a:rPr lang="en-CA" b="0" i="0" dirty="0">
+              <a:rPr lang="en-CA" sz="1400" b="0" i="0" dirty="0">
                 <a:effectLst/>
                 <a:highlight>
                   <a:srgbClr val="FFFFFF"/>
@@ -16868,10 +16873,10 @@
               <a:t>Rohan Saranjitsingh Dhiman - 40230689</a:t>
             </a:r>
             <a:br>
-              <a:rPr lang="en-CA" dirty="0"/>
+              <a:rPr lang="en-CA" sz="1400" dirty="0"/>
             </a:br>
             <a:r>
-              <a:rPr lang="en-CA" b="0" i="0" dirty="0" err="1">
+              <a:rPr lang="en-CA" sz="1400" b="0" i="0" dirty="0" err="1">
                 <a:effectLst/>
                 <a:highlight>
                   <a:srgbClr val="FFFFFF"/>
@@ -16881,7 +16886,7 @@
               <a:t>Revanth</a:t>
             </a:r>
             <a:r>
-              <a:rPr lang="en-CA" b="0" i="0" dirty="0">
+              <a:rPr lang="en-CA" sz="1400" b="0" i="0" dirty="0">
                 <a:effectLst/>
                 <a:highlight>
                   <a:srgbClr val="FFFFFF"/>
@@ -16891,7 +16896,7 @@
               <a:t> </a:t>
             </a:r>
             <a:r>
-              <a:rPr lang="en-CA" b="0" i="0" dirty="0" err="1">
+              <a:rPr lang="en-CA" sz="1400" b="0" i="0" dirty="0" err="1">
                 <a:effectLst/>
                 <a:highlight>
                   <a:srgbClr val="FFFFFF"/>
@@ -16901,7 +16906,7 @@
               <a:t>Velagandula</a:t>
             </a:r>
             <a:r>
-              <a:rPr lang="en-CA" b="0" i="0" dirty="0">
+              <a:rPr lang="en-CA" sz="1400" b="0" i="0" dirty="0">
                 <a:effectLst/>
                 <a:highlight>
                   <a:srgbClr val="FFFFFF"/>
@@ -16911,10 +16916,10 @@
               <a:t> - 40229629</a:t>
             </a:r>
             <a:br>
-              <a:rPr lang="en-CA" dirty="0"/>
+              <a:rPr lang="en-CA" sz="1400" dirty="0"/>
             </a:br>
             <a:r>
-              <a:rPr lang="en-CA" b="0" i="0" dirty="0" err="1">
+              <a:rPr lang="en-CA" sz="1400" b="0" i="0" dirty="0" err="1">
                 <a:effectLst/>
                 <a:highlight>
                   <a:srgbClr val="FFFFFF"/>
@@ -16924,7 +16929,7 @@
               <a:t>Rovian</a:t>
             </a:r>
             <a:r>
-              <a:rPr lang="en-CA" b="0" i="0" dirty="0">
+              <a:rPr lang="en-CA" sz="1400" b="0" i="0" dirty="0">
                 <a:effectLst/>
                 <a:highlight>
                   <a:srgbClr val="FFFFFF"/>
@@ -16934,10 +16939,10 @@
               <a:t> Dsouza - 40230102</a:t>
             </a:r>
             <a:br>
-              <a:rPr lang="en-CA" dirty="0"/>
+              <a:rPr lang="en-CA" sz="1400" dirty="0"/>
             </a:br>
             <a:r>
-              <a:rPr lang="en-CA" b="0" i="0" dirty="0">
+              <a:rPr lang="en-CA" sz="1400" b="0" i="0" dirty="0">
                 <a:effectLst/>
                 <a:highlight>
                   <a:srgbClr val="FFFFFF"/>
@@ -16947,9 +16952,9 @@
               <a:t>Abhishek Gupta - 40226797</a:t>
             </a:r>
             <a:br>
-              <a:rPr lang="en-CA" dirty="0"/>
+              <a:rPr lang="en-CA" sz="1400" dirty="0"/>
             </a:br>
-            <a:endParaRPr dirty="0"/>
+            <a:endParaRPr sz="1400" dirty="0"/>
           </a:p>
         </p:txBody>
       </p:sp>
@@ -17280,18 +17285,333 @@
           </a:prstGeom>
         </p:spPr>
       </p:pic>
+      <p:sp>
+        <p:nvSpPr>
+          <p:cNvPr id="3" name="Google Shape;184;p28">
+            <a:extLst>
+              <a:ext uri="{FF2B5EF4-FFF2-40B4-BE49-F238E27FC236}">
+                <a16:creationId xmlns:a16="http://schemas.microsoft.com/office/drawing/2014/main" id="{01C3A72D-23C4-71F9-3787-11973C7F15C9}"/>
+              </a:ext>
+            </a:extLst>
+          </p:cNvPr>
+          <p:cNvSpPr txBox="1">
+            <a:spLocks/>
+          </p:cNvSpPr>
+          <p:nvPr/>
+        </p:nvSpPr>
+        <p:spPr>
+          <a:xfrm>
+            <a:off x="713225" y="4279952"/>
+            <a:ext cx="7704154" cy="431400"/>
+          </a:xfrm>
+          <a:prstGeom prst="rect">
+            <a:avLst/>
+          </a:prstGeom>
+          <a:noFill/>
+          <a:ln>
+            <a:noFill/>
+          </a:ln>
+        </p:spPr>
+        <p:txBody>
+          <a:bodyPr spcFirstLastPara="1" wrap="square" lIns="91425" tIns="91425" rIns="91425" bIns="91425" anchor="t" anchorCtr="0">
+            <a:noAutofit/>
+          </a:bodyPr>
+          <a:lstStyle>
+            <a:defPPr marR="0" lvl="0" algn="l" rtl="0">
+              <a:lnSpc>
+                <a:spcPct val="100000"/>
+              </a:lnSpc>
+              <a:spcBef>
+                <a:spcPts val="0"/>
+              </a:spcBef>
+              <a:spcAft>
+                <a:spcPts val="0"/>
+              </a:spcAft>
+            </a:defPPr>
+            <a:lvl1pPr marL="457200" marR="0" lvl="0" indent="-304800" algn="l" rtl="0">
+              <a:lnSpc>
+                <a:spcPct val="100000"/>
+              </a:lnSpc>
+              <a:spcBef>
+                <a:spcPts val="0"/>
+              </a:spcBef>
+              <a:spcAft>
+                <a:spcPts val="0"/>
+              </a:spcAft>
+              <a:buClr>
+                <a:schemeClr val="dk1"/>
+              </a:buClr>
+              <a:buSzPts val="1200"/>
+              <a:buFont typeface="Andika"/>
+              <a:buNone/>
+              <a:defRPr sz="1600" b="0" i="0" u="none" strike="noStrike" cap="none">
+                <a:solidFill>
+                  <a:schemeClr val="dk1"/>
+                </a:solidFill>
+                <a:latin typeface="Andika"/>
+                <a:ea typeface="Andika"/>
+                <a:cs typeface="Andika"/>
+                <a:sym typeface="Andika"/>
+              </a:defRPr>
+            </a:lvl1pPr>
+            <a:lvl2pPr marL="914400" marR="0" lvl="1" indent="-304800" algn="ctr" rtl="0">
+              <a:lnSpc>
+                <a:spcPct val="100000"/>
+              </a:lnSpc>
+              <a:spcBef>
+                <a:spcPts val="0"/>
+              </a:spcBef>
+              <a:spcAft>
+                <a:spcPts val="0"/>
+              </a:spcAft>
+              <a:buClr>
+                <a:schemeClr val="dk1"/>
+              </a:buClr>
+              <a:buSzPts val="1800"/>
+              <a:buFont typeface="Andika"/>
+              <a:buNone/>
+              <a:defRPr sz="1800" b="0" i="0" u="none" strike="noStrike" cap="none">
+                <a:solidFill>
+                  <a:schemeClr val="dk1"/>
+                </a:solidFill>
+                <a:latin typeface="Andika"/>
+                <a:ea typeface="Andika"/>
+                <a:cs typeface="Andika"/>
+                <a:sym typeface="Andika"/>
+              </a:defRPr>
+            </a:lvl2pPr>
+            <a:lvl3pPr marL="1371600" marR="0" lvl="2" indent="-304800" algn="ctr" rtl="0">
+              <a:lnSpc>
+                <a:spcPct val="100000"/>
+              </a:lnSpc>
+              <a:spcBef>
+                <a:spcPts val="0"/>
+              </a:spcBef>
+              <a:spcAft>
+                <a:spcPts val="0"/>
+              </a:spcAft>
+              <a:buClr>
+                <a:schemeClr val="dk1"/>
+              </a:buClr>
+              <a:buSzPts val="1800"/>
+              <a:buFont typeface="Andika"/>
+              <a:buNone/>
+              <a:defRPr sz="1800" b="0" i="0" u="none" strike="noStrike" cap="none">
+                <a:solidFill>
+                  <a:schemeClr val="dk1"/>
+                </a:solidFill>
+                <a:latin typeface="Andika"/>
+                <a:ea typeface="Andika"/>
+                <a:cs typeface="Andika"/>
+                <a:sym typeface="Andika"/>
+              </a:defRPr>
+            </a:lvl3pPr>
+            <a:lvl4pPr marL="1828800" marR="0" lvl="3" indent="-304800" algn="ctr" rtl="0">
+              <a:lnSpc>
+                <a:spcPct val="100000"/>
+              </a:lnSpc>
+              <a:spcBef>
+                <a:spcPts val="0"/>
+              </a:spcBef>
+              <a:spcAft>
+                <a:spcPts val="0"/>
+              </a:spcAft>
+              <a:buClr>
+                <a:schemeClr val="dk1"/>
+              </a:buClr>
+              <a:buSzPts val="1800"/>
+              <a:buFont typeface="Andika"/>
+              <a:buNone/>
+              <a:defRPr sz="1800" b="0" i="0" u="none" strike="noStrike" cap="none">
+                <a:solidFill>
+                  <a:schemeClr val="dk1"/>
+                </a:solidFill>
+                <a:latin typeface="Andika"/>
+                <a:ea typeface="Andika"/>
+                <a:cs typeface="Andika"/>
+                <a:sym typeface="Andika"/>
+              </a:defRPr>
+            </a:lvl4pPr>
+            <a:lvl5pPr marL="2286000" marR="0" lvl="4" indent="-304800" algn="ctr" rtl="0">
+              <a:lnSpc>
+                <a:spcPct val="100000"/>
+              </a:lnSpc>
+              <a:spcBef>
+                <a:spcPts val="0"/>
+              </a:spcBef>
+              <a:spcAft>
+                <a:spcPts val="0"/>
+              </a:spcAft>
+              <a:buClr>
+                <a:schemeClr val="dk1"/>
+              </a:buClr>
+              <a:buSzPts val="1800"/>
+              <a:buFont typeface="Andika"/>
+              <a:buNone/>
+              <a:defRPr sz="1800" b="0" i="0" u="none" strike="noStrike" cap="none">
+                <a:solidFill>
+                  <a:schemeClr val="dk1"/>
+                </a:solidFill>
+                <a:latin typeface="Andika"/>
+                <a:ea typeface="Andika"/>
+                <a:cs typeface="Andika"/>
+                <a:sym typeface="Andika"/>
+              </a:defRPr>
+            </a:lvl5pPr>
+            <a:lvl6pPr marL="2743200" marR="0" lvl="5" indent="-304800" algn="ctr" rtl="0">
+              <a:lnSpc>
+                <a:spcPct val="100000"/>
+              </a:lnSpc>
+              <a:spcBef>
+                <a:spcPts val="0"/>
+              </a:spcBef>
+              <a:spcAft>
+                <a:spcPts val="0"/>
+              </a:spcAft>
+              <a:buClr>
+                <a:schemeClr val="dk1"/>
+              </a:buClr>
+              <a:buSzPts val="1800"/>
+              <a:buFont typeface="Andika"/>
+              <a:buNone/>
+              <a:defRPr sz="1800" b="0" i="0" u="none" strike="noStrike" cap="none">
+                <a:solidFill>
+                  <a:schemeClr val="dk1"/>
+                </a:solidFill>
+                <a:latin typeface="Andika"/>
+                <a:ea typeface="Andika"/>
+                <a:cs typeface="Andika"/>
+                <a:sym typeface="Andika"/>
+              </a:defRPr>
+            </a:lvl6pPr>
+            <a:lvl7pPr marL="3200400" marR="0" lvl="6" indent="-304800" algn="ctr" rtl="0">
+              <a:lnSpc>
+                <a:spcPct val="100000"/>
+              </a:lnSpc>
+              <a:spcBef>
+                <a:spcPts val="0"/>
+              </a:spcBef>
+              <a:spcAft>
+                <a:spcPts val="0"/>
+              </a:spcAft>
+              <a:buClr>
+                <a:schemeClr val="dk1"/>
+              </a:buClr>
+              <a:buSzPts val="1800"/>
+              <a:buFont typeface="Andika"/>
+              <a:buNone/>
+              <a:defRPr sz="1800" b="0" i="0" u="none" strike="noStrike" cap="none">
+                <a:solidFill>
+                  <a:schemeClr val="dk1"/>
+                </a:solidFill>
+                <a:latin typeface="Andika"/>
+                <a:ea typeface="Andika"/>
+                <a:cs typeface="Andika"/>
+                <a:sym typeface="Andika"/>
+              </a:defRPr>
+            </a:lvl7pPr>
+            <a:lvl8pPr marL="3657600" marR="0" lvl="7" indent="-304800" algn="ctr" rtl="0">
+              <a:lnSpc>
+                <a:spcPct val="100000"/>
+              </a:lnSpc>
+              <a:spcBef>
+                <a:spcPts val="0"/>
+              </a:spcBef>
+              <a:spcAft>
+                <a:spcPts val="0"/>
+              </a:spcAft>
+              <a:buClr>
+                <a:schemeClr val="dk1"/>
+              </a:buClr>
+              <a:buSzPts val="1800"/>
+              <a:buFont typeface="Andika"/>
+              <a:buNone/>
+              <a:defRPr sz="1800" b="0" i="0" u="none" strike="noStrike" cap="none">
+                <a:solidFill>
+                  <a:schemeClr val="dk1"/>
+                </a:solidFill>
+                <a:latin typeface="Andika"/>
+                <a:ea typeface="Andika"/>
+                <a:cs typeface="Andika"/>
+                <a:sym typeface="Andika"/>
+              </a:defRPr>
+            </a:lvl8pPr>
+            <a:lvl9pPr marL="4114800" marR="0" lvl="8" indent="-304800" algn="ctr" rtl="0">
+              <a:lnSpc>
+                <a:spcPct val="100000"/>
+              </a:lnSpc>
+              <a:spcBef>
+                <a:spcPts val="0"/>
+              </a:spcBef>
+              <a:spcAft>
+                <a:spcPts val="0"/>
+              </a:spcAft>
+              <a:buClr>
+                <a:schemeClr val="dk1"/>
+              </a:buClr>
+              <a:buSzPts val="1800"/>
+              <a:buFont typeface="Andika"/>
+              <a:buNone/>
+              <a:defRPr sz="1800" b="0" i="0" u="none" strike="noStrike" cap="none">
+                <a:solidFill>
+                  <a:schemeClr val="dk1"/>
+                </a:solidFill>
+                <a:latin typeface="Andika"/>
+                <a:ea typeface="Andika"/>
+                <a:cs typeface="Andika"/>
+                <a:sym typeface="Andika"/>
+              </a:defRPr>
+            </a:lvl9pPr>
+          </a:lstStyle>
+          <a:p>
+            <a:pPr marL="0" indent="0"/>
+            <a:r>
+              <a:rPr lang="en-CA" sz="1400" b="1" u="sng" dirty="0" err="1">
+                <a:highlight>
+                  <a:srgbClr val="FFFFFF"/>
+                </a:highlight>
+                <a:latin typeface="Arial" panose="020B0604020202020204" pitchFamily="34" charset="0"/>
+              </a:rPr>
+              <a:t>Github</a:t>
+            </a:r>
+            <a:r>
+              <a:rPr lang="en-CA" sz="1400" b="1" u="sng" dirty="0">
+                <a:highlight>
+                  <a:srgbClr val="FFFFFF"/>
+                </a:highlight>
+                <a:latin typeface="Arial" panose="020B0604020202020204" pitchFamily="34" charset="0"/>
+              </a:rPr>
+              <a:t> Link:</a:t>
+            </a:r>
+          </a:p>
+          <a:p>
+            <a:pPr marL="0" indent="0"/>
+            <a:r>
+              <a:rPr lang="en-CA" sz="1400" dirty="0">
+                <a:highlight>
+                  <a:srgbClr val="FFFFFF"/>
+                </a:highlight>
+                <a:latin typeface="Arial" panose="020B0604020202020204" pitchFamily="34" charset="0"/>
+                <a:hlinkClick r:id="rId5"/>
+              </a:rPr>
+              <a:t>https://github.com/rohandhiman03/SOEN6841Project</a:t>
+            </a:r>
+            <a:endParaRPr lang="en-CA" sz="1400" dirty="0"/>
+          </a:p>
+        </p:txBody>
+      </p:sp>
     </p:spTree>
   </p:cSld>
   <p:clrMapOvr>
     <a:masterClrMapping/>
   </p:clrMapOvr>
-  <mc:AlternateContent xmlns:mc="http://schemas.openxmlformats.org/markup-compatibility/2006">
-    <mc:Choice xmlns:p159="http://schemas.microsoft.com/office/powerpoint/2015/09/main" Requires="p159">
+  <mc:AlternateContent xmlns:mc="http://schemas.openxmlformats.org/markup-compatibility/2006" xmlns:p159="http://schemas.microsoft.com/office/powerpoint/2015/09/main">
+    <mc:Choice Requires="p159">
       <p:transition xmlns:p14="http://schemas.microsoft.com/office/powerpoint/2010/main" spd="slow" p14:dur="2000">
         <p159:morph option="byObject"/>
       </p:transition>
     </mc:Choice>
-    <mc:Fallback>
+    <mc:Fallback xmlns="">
       <p:transition spd="slow">
         <p:fade/>
       </p:transition>
@@ -18600,13 +18920,13 @@
   <p:clrMapOvr>
     <a:masterClrMapping/>
   </p:clrMapOvr>
-  <mc:AlternateContent xmlns:mc="http://schemas.openxmlformats.org/markup-compatibility/2006">
-    <mc:Choice xmlns:p159="http://schemas.microsoft.com/office/powerpoint/2015/09/main" Requires="p159">
+  <mc:AlternateContent xmlns:mc="http://schemas.openxmlformats.org/markup-compatibility/2006" xmlns:p159="http://schemas.microsoft.com/office/powerpoint/2015/09/main">
+    <mc:Choice Requires="p159">
       <p:transition xmlns:p14="http://schemas.microsoft.com/office/powerpoint/2010/main" spd="slow" p14:dur="2000">
         <p159:morph option="byObject"/>
       </p:transition>
     </mc:Choice>
-    <mc:Fallback>
+    <mc:Fallback xmlns="">
       <p:transition spd="slow">
         <p:fade/>
       </p:transition>
@@ -20032,13 +20352,13 @@
   <p:clrMapOvr>
     <a:masterClrMapping/>
   </p:clrMapOvr>
-  <mc:AlternateContent xmlns:mc="http://schemas.openxmlformats.org/markup-compatibility/2006">
-    <mc:Choice xmlns:p159="http://schemas.microsoft.com/office/powerpoint/2015/09/main" Requires="p159">
+  <mc:AlternateContent xmlns:mc="http://schemas.openxmlformats.org/markup-compatibility/2006" xmlns:p159="http://schemas.microsoft.com/office/powerpoint/2015/09/main">
+    <mc:Choice Requires="p159">
       <p:transition xmlns:p14="http://schemas.microsoft.com/office/powerpoint/2010/main" spd="slow" p14:dur="2000">
         <p159:morph option="byObject"/>
       </p:transition>
     </mc:Choice>
-    <mc:Fallback>
+    <mc:Fallback xmlns="">
       <p:transition spd="slow">
         <p:fade/>
       </p:transition>
@@ -21368,13 +21688,13 @@
   <p:clrMapOvr>
     <a:masterClrMapping/>
   </p:clrMapOvr>
-  <mc:AlternateContent xmlns:mc="http://schemas.openxmlformats.org/markup-compatibility/2006">
-    <mc:Choice xmlns:p159="http://schemas.microsoft.com/office/powerpoint/2015/09/main" Requires="p159">
+  <mc:AlternateContent xmlns:mc="http://schemas.openxmlformats.org/markup-compatibility/2006" xmlns:p159="http://schemas.microsoft.com/office/powerpoint/2015/09/main">
+    <mc:Choice Requires="p159">
       <p:transition xmlns:p14="http://schemas.microsoft.com/office/powerpoint/2010/main" spd="slow" p14:dur="2000">
         <p159:morph option="byObject"/>
       </p:transition>
     </mc:Choice>
-    <mc:Fallback>
+    <mc:Fallback xmlns="">
       <p:transition spd="slow">
         <p:fade/>
       </p:transition>
@@ -21842,13 +22162,13 @@
   <p:clrMapOvr>
     <a:masterClrMapping/>
   </p:clrMapOvr>
-  <mc:AlternateContent xmlns:mc="http://schemas.openxmlformats.org/markup-compatibility/2006">
-    <mc:Choice xmlns:p159="http://schemas.microsoft.com/office/powerpoint/2015/09/main" Requires="p159">
+  <mc:AlternateContent xmlns:mc="http://schemas.openxmlformats.org/markup-compatibility/2006" xmlns:p159="http://schemas.microsoft.com/office/powerpoint/2015/09/main">
+    <mc:Choice Requires="p159">
       <p:transition xmlns:p14="http://schemas.microsoft.com/office/powerpoint/2010/main" spd="slow" p14:dur="2000">
         <p159:morph option="byObject"/>
       </p:transition>
     </mc:Choice>
-    <mc:Fallback>
+    <mc:Fallback xmlns="">
       <p:transition spd="slow">
         <p:fade/>
       </p:transition>
@@ -22033,13 +22353,13 @@
   <p:clrMapOvr>
     <a:masterClrMapping/>
   </p:clrMapOvr>
-  <mc:AlternateContent xmlns:mc="http://schemas.openxmlformats.org/markup-compatibility/2006">
-    <mc:Choice xmlns:p159="http://schemas.microsoft.com/office/powerpoint/2015/09/main" Requires="p159">
+  <mc:AlternateContent xmlns:mc="http://schemas.openxmlformats.org/markup-compatibility/2006" xmlns:p159="http://schemas.microsoft.com/office/powerpoint/2015/09/main">
+    <mc:Choice Requires="p159">
       <p:transition xmlns:p14="http://schemas.microsoft.com/office/powerpoint/2010/main" spd="slow" p14:dur="2000">
         <p159:morph option="byObject"/>
       </p:transition>
     </mc:Choice>
-    <mc:Fallback>
+    <mc:Fallback xmlns="">
       <p:transition spd="slow">
         <p:fade/>
       </p:transition>
@@ -22317,13 +22637,13 @@
   <p:clrMapOvr>
     <a:masterClrMapping/>
   </p:clrMapOvr>
-  <mc:AlternateContent xmlns:mc="http://schemas.openxmlformats.org/markup-compatibility/2006">
-    <mc:Choice xmlns:p159="http://schemas.microsoft.com/office/powerpoint/2015/09/main" Requires="p159">
+  <mc:AlternateContent xmlns:mc="http://schemas.openxmlformats.org/markup-compatibility/2006" xmlns:p159="http://schemas.microsoft.com/office/powerpoint/2015/09/main">
+    <mc:Choice Requires="p159">
       <p:transition xmlns:p14="http://schemas.microsoft.com/office/powerpoint/2010/main" spd="slow" p14:dur="2000">
         <p159:morph option="byObject"/>
       </p:transition>
     </mc:Choice>
-    <mc:Fallback>
+    <mc:Fallback xmlns="">
       <p:transition spd="slow">
         <p:fade/>
       </p:transition>
@@ -27818,13 +28138,13 @@
   <p:clrMapOvr>
     <a:masterClrMapping/>
   </p:clrMapOvr>
-  <mc:AlternateContent xmlns:mc="http://schemas.openxmlformats.org/markup-compatibility/2006">
-    <mc:Choice xmlns:p159="http://schemas.microsoft.com/office/powerpoint/2015/09/main" Requires="p159">
+  <mc:AlternateContent xmlns:mc="http://schemas.openxmlformats.org/markup-compatibility/2006" xmlns:p159="http://schemas.microsoft.com/office/powerpoint/2015/09/main">
+    <mc:Choice Requires="p159">
       <p:transition xmlns:p14="http://schemas.microsoft.com/office/powerpoint/2010/main" spd="slow" p14:dur="2000">
         <p159:morph option="byObject"/>
       </p:transition>
     </mc:Choice>
-    <mc:Fallback>
+    <mc:Fallback xmlns="">
       <p:transition spd="slow">
         <p:fade/>
       </p:transition>
@@ -30333,13 +30653,13 @@
   <p:clrMapOvr>
     <a:masterClrMapping/>
   </p:clrMapOvr>
-  <mc:AlternateContent xmlns:mc="http://schemas.openxmlformats.org/markup-compatibility/2006">
-    <mc:Choice xmlns:p159="http://schemas.microsoft.com/office/powerpoint/2015/09/main" Requires="p159">
+  <mc:AlternateContent xmlns:mc="http://schemas.openxmlformats.org/markup-compatibility/2006" xmlns:p159="http://schemas.microsoft.com/office/powerpoint/2015/09/main">
+    <mc:Choice Requires="p159">
       <p:transition xmlns:p14="http://schemas.microsoft.com/office/powerpoint/2010/main" spd="slow" p14:dur="2000">
         <p159:morph option="byObject"/>
       </p:transition>
     </mc:Choice>
-    <mc:Fallback>
+    <mc:Fallback xmlns="">
       <p:transition spd="slow">
         <p:fade/>
       </p:transition>
@@ -32116,13 +32436,13 @@
   <p:clrMapOvr>
     <a:masterClrMapping/>
   </p:clrMapOvr>
-  <mc:AlternateContent xmlns:mc="http://schemas.openxmlformats.org/markup-compatibility/2006">
-    <mc:Choice xmlns:p159="http://schemas.microsoft.com/office/powerpoint/2015/09/main" Requires="p159">
+  <mc:AlternateContent xmlns:mc="http://schemas.openxmlformats.org/markup-compatibility/2006" xmlns:p159="http://schemas.microsoft.com/office/powerpoint/2015/09/main">
+    <mc:Choice Requires="p159">
       <p:transition xmlns:p14="http://schemas.microsoft.com/office/powerpoint/2010/main" spd="slow" p14:dur="2000">
         <p159:morph option="byObject"/>
       </p:transition>
     </mc:Choice>
-    <mc:Fallback>
+    <mc:Fallback xmlns="">
       <p:transition spd="slow">
         <p:fade/>
       </p:transition>
@@ -32292,13 +32612,13 @@
   <p:clrMapOvr>
     <a:masterClrMapping/>
   </p:clrMapOvr>
-  <mc:AlternateContent xmlns:mc="http://schemas.openxmlformats.org/markup-compatibility/2006">
-    <mc:Choice xmlns:p159="http://schemas.microsoft.com/office/powerpoint/2015/09/main" Requires="p159">
+  <mc:AlternateContent xmlns:mc="http://schemas.openxmlformats.org/markup-compatibility/2006" xmlns:p159="http://schemas.microsoft.com/office/powerpoint/2015/09/main">
+    <mc:Choice Requires="p159">
       <p:transition xmlns:p14="http://schemas.microsoft.com/office/powerpoint/2010/main" spd="slow" p14:dur="2000">
         <p159:morph option="byObject"/>
       </p:transition>
     </mc:Choice>
-    <mc:Fallback>
+    <mc:Fallback xmlns="">
       <p:transition spd="slow">
         <p:fade/>
       </p:transition>
@@ -34399,13 +34719,13 @@
   <p:clrMapOvr>
     <a:masterClrMapping/>
   </p:clrMapOvr>
-  <mc:AlternateContent xmlns:mc="http://schemas.openxmlformats.org/markup-compatibility/2006">
-    <mc:Choice xmlns:p159="http://schemas.microsoft.com/office/powerpoint/2015/09/main" Requires="p159">
+  <mc:AlternateContent xmlns:mc="http://schemas.openxmlformats.org/markup-compatibility/2006" xmlns:p159="http://schemas.microsoft.com/office/powerpoint/2015/09/main">
+    <mc:Choice Requires="p159">
       <p:transition xmlns:p14="http://schemas.microsoft.com/office/powerpoint/2010/main" spd="slow" p14:dur="2000">
         <p159:morph option="byObject"/>
       </p:transition>
     </mc:Choice>
-    <mc:Fallback>
+    <mc:Fallback xmlns="">
       <p:transition spd="slow">
         <p:fade/>
       </p:transition>
@@ -37587,13 +37907,13 @@
   <p:clrMapOvr>
     <a:masterClrMapping/>
   </p:clrMapOvr>
-  <mc:AlternateContent xmlns:mc="http://schemas.openxmlformats.org/markup-compatibility/2006">
-    <mc:Choice xmlns:p159="http://schemas.microsoft.com/office/powerpoint/2015/09/main" Requires="p159">
+  <mc:AlternateContent xmlns:mc="http://schemas.openxmlformats.org/markup-compatibility/2006" xmlns:p159="http://schemas.microsoft.com/office/powerpoint/2015/09/main">
+    <mc:Choice Requires="p159">
       <p:transition xmlns:p14="http://schemas.microsoft.com/office/powerpoint/2010/main" spd="slow" p14:dur="2000">
         <p159:morph option="byObject"/>
       </p:transition>
     </mc:Choice>
-    <mc:Fallback>
+    <mc:Fallback xmlns="">
       <p:transition spd="slow">
         <p:fade/>
       </p:transition>
@@ -38299,13 +38619,13 @@
   <p:clrMapOvr>
     <a:masterClrMapping/>
   </p:clrMapOvr>
-  <mc:AlternateContent xmlns:mc="http://schemas.openxmlformats.org/markup-compatibility/2006">
-    <mc:Choice xmlns:p159="http://schemas.microsoft.com/office/powerpoint/2015/09/main" Requires="p159">
+  <mc:AlternateContent xmlns:mc="http://schemas.openxmlformats.org/markup-compatibility/2006" xmlns:p159="http://schemas.microsoft.com/office/powerpoint/2015/09/main">
+    <mc:Choice Requires="p159">
       <p:transition xmlns:p14="http://schemas.microsoft.com/office/powerpoint/2010/main" spd="slow" p14:dur="2000">
         <p159:morph option="byObject"/>
       </p:transition>
     </mc:Choice>
-    <mc:Fallback>
+    <mc:Fallback xmlns="">
       <p:transition spd="slow">
         <p:fade/>
       </p:transition>
@@ -43087,13 +43407,13 @@
   <p:clrMapOvr>
     <a:masterClrMapping/>
   </p:clrMapOvr>
-  <mc:AlternateContent xmlns:mc="http://schemas.openxmlformats.org/markup-compatibility/2006">
-    <mc:Choice xmlns:p159="http://schemas.microsoft.com/office/powerpoint/2015/09/main" Requires="p159">
+  <mc:AlternateContent xmlns:mc="http://schemas.openxmlformats.org/markup-compatibility/2006" xmlns:p159="http://schemas.microsoft.com/office/powerpoint/2015/09/main">
+    <mc:Choice Requires="p159">
       <p:transition xmlns:p14="http://schemas.microsoft.com/office/powerpoint/2010/main" spd="slow" p14:dur="2000">
         <p159:morph option="byObject"/>
       </p:transition>
     </mc:Choice>
-    <mc:Fallback>
+    <mc:Fallback xmlns="">
       <p:transition spd="slow">
         <p:fade/>
       </p:transition>
@@ -43678,13 +43998,13 @@
   <p:clrMapOvr>
     <a:masterClrMapping/>
   </p:clrMapOvr>
-  <mc:AlternateContent xmlns:mc="http://schemas.openxmlformats.org/markup-compatibility/2006">
-    <mc:Choice xmlns:p159="http://schemas.microsoft.com/office/powerpoint/2015/09/main" Requires="p159">
+  <mc:AlternateContent xmlns:mc="http://schemas.openxmlformats.org/markup-compatibility/2006" xmlns:p159="http://schemas.microsoft.com/office/powerpoint/2015/09/main">
+    <mc:Choice Requires="p159">
       <p:transition xmlns:p14="http://schemas.microsoft.com/office/powerpoint/2010/main" spd="slow" p14:dur="2000">
         <p159:morph option="byObject"/>
       </p:transition>
     </mc:Choice>
-    <mc:Fallback>
+    <mc:Fallback xmlns="">
       <p:transition spd="slow">
         <p:fade/>
       </p:transition>
@@ -44455,13 +44775,13 @@
   <p:clrMapOvr>
     <a:masterClrMapping/>
   </p:clrMapOvr>
-  <mc:AlternateContent xmlns:mc="http://schemas.openxmlformats.org/markup-compatibility/2006">
-    <mc:Choice xmlns:p159="http://schemas.microsoft.com/office/powerpoint/2015/09/main" Requires="p159">
+  <mc:AlternateContent xmlns:mc="http://schemas.openxmlformats.org/markup-compatibility/2006" xmlns:p159="http://schemas.microsoft.com/office/powerpoint/2015/09/main">
+    <mc:Choice Requires="p159">
       <p:transition xmlns:p14="http://schemas.microsoft.com/office/powerpoint/2010/main" spd="slow" p14:dur="2000">
         <p159:morph option="byObject"/>
       </p:transition>
     </mc:Choice>
-    <mc:Fallback>
+    <mc:Fallback xmlns="">
       <p:transition spd="slow">
         <p:fade/>
       </p:transition>

--- a/Final Presentation.pptx
+++ b/Final Presentation.pptx
@@ -38687,7 +38687,15 @@
             </a:pPr>
             <a:r>
               <a:rPr lang="en" dirty="0"/>
-              <a:t>03 Ensuring Fesibility and Viability</a:t>
+              <a:t>03 </a:t>
+            </a:r>
+            <a:r>
+              <a:rPr lang="en"/>
+              <a:t>Ensuring Feasibility </a:t>
+            </a:r>
+            <a:r>
+              <a:rPr lang="en" dirty="0"/>
+              <a:t>and Viability</a:t>
             </a:r>
             <a:endParaRPr dirty="0"/>
           </a:p>
